--- a/ECE_143.pptx
+++ b/ECE_143.pptx
@@ -9,20 +9,21 @@
     <p:sldId id="257" r:id="rId3"/>
     <p:sldId id="258" r:id="rId4"/>
     <p:sldId id="259" r:id="rId5"/>
-    <p:sldId id="266" r:id="rId6"/>
-    <p:sldId id="260" r:id="rId7"/>
-    <p:sldId id="261" r:id="rId8"/>
-    <p:sldId id="262" r:id="rId9"/>
-    <p:sldId id="273" r:id="rId10"/>
-    <p:sldId id="264" r:id="rId11"/>
-    <p:sldId id="265" r:id="rId12"/>
-    <p:sldId id="270" r:id="rId13"/>
-    <p:sldId id="263" r:id="rId14"/>
-    <p:sldId id="267" r:id="rId15"/>
-    <p:sldId id="268" r:id="rId16"/>
-    <p:sldId id="269" r:id="rId17"/>
-    <p:sldId id="271" r:id="rId18"/>
+    <p:sldId id="260" r:id="rId6"/>
+    <p:sldId id="261" r:id="rId7"/>
+    <p:sldId id="262" r:id="rId8"/>
+    <p:sldId id="273" r:id="rId9"/>
+    <p:sldId id="264" r:id="rId10"/>
+    <p:sldId id="265" r:id="rId11"/>
+    <p:sldId id="270" r:id="rId12"/>
+    <p:sldId id="263" r:id="rId13"/>
+    <p:sldId id="268" r:id="rId14"/>
+    <p:sldId id="276" r:id="rId15"/>
+    <p:sldId id="269" r:id="rId16"/>
+    <p:sldId id="271" r:id="rId17"/>
+    <p:sldId id="274" r:id="rId18"/>
     <p:sldId id="272" r:id="rId19"/>
+    <p:sldId id="275" r:id="rId20"/>
   </p:sldIdLst>
   <p:sldSz cx="12192000" cy="6858000"/>
   <p:notesSz cx="6858000" cy="9144000"/>
@@ -13522,192 +13523,7 @@
         </p:nvSpPr>
         <p:spPr>
           <a:xfrm>
-            <a:off x="9015061" y="5619690"/>
-            <a:ext cx="2743200" cy="400110"/>
-          </a:xfrm>
-          <a:prstGeom prst="rect">
-            <a:avLst/>
-          </a:prstGeom>
-        </p:spPr>
-        <p:txBody>
-          <a:bodyPr rot="0" spcFirstLastPara="0" vertOverflow="overflow" horzOverflow="overflow" vert="horz" wrap="square" lIns="91440" tIns="45720" rIns="91440" bIns="45720" numCol="1" spcCol="0" rtlCol="0" fromWordArt="0" anchor="t" anchorCtr="0" forceAA="0" compatLnSpc="1">
-            <a:prstTxWarp prst="textNoShape">
-              <a:avLst/>
-            </a:prstTxWarp>
-            <a:spAutoFit/>
-          </a:bodyPr>
-          <a:lstStyle/>
-          <a:p>
-            <a:r>
-              <a:rPr lang="en-US" sz="1000" i="1" dirty="0">
-                <a:solidFill>
-                  <a:srgbClr val="FF0000"/>
-                </a:solidFill>
-              </a:rPr>
-              <a:t>Inference: Marking and Tackling make the difference, while Strength doesn’t</a:t>
-            </a:r>
-            <a:endParaRPr lang="en-US" sz="1000" i="1" dirty="0">
-              <a:solidFill>
-                <a:srgbClr val="FF0000"/>
-              </a:solidFill>
-              <a:cs typeface="Calibri"/>
-            </a:endParaRPr>
-          </a:p>
-        </p:txBody>
-      </p:sp>
-      <p:pic>
-        <p:nvPicPr>
-          <p:cNvPr id="6" name="Picture 5">
-            <a:extLst>
-              <a:ext uri="{FF2B5EF4-FFF2-40B4-BE49-F238E27FC236}">
-                <a16:creationId xmlns:a16="http://schemas.microsoft.com/office/drawing/2014/main" id="{DC0CD291-E6AB-4091-BB8E-3A7643B8CFEA}"/>
-              </a:ext>
-            </a:extLst>
-          </p:cNvPr>
-          <p:cNvPicPr>
-            <a:picLocks noChangeAspect="1"/>
-          </p:cNvPicPr>
-          <p:nvPr/>
-        </p:nvPicPr>
-        <p:blipFill>
-          <a:blip r:embed="rId2" cstate="print">
-            <a:extLst>
-              <a:ext uri="{28A0092B-C50C-407E-A947-70E740481C1C}">
-                <a14:useLocalDpi xmlns:a14="http://schemas.microsoft.com/office/drawing/2010/main" val="0"/>
-              </a:ext>
-            </a:extLst>
-          </a:blip>
-          <a:stretch>
-            <a:fillRect/>
-          </a:stretch>
-        </p:blipFill>
-        <p:spPr>
-          <a:xfrm>
-            <a:off x="3080839" y="2364936"/>
-            <a:ext cx="5033351" cy="4193247"/>
-          </a:xfrm>
-          <a:prstGeom prst="rect">
-            <a:avLst/>
-          </a:prstGeom>
-        </p:spPr>
-      </p:pic>
-    </p:spTree>
-    <p:extLst>
-      <p:ext uri="{BB962C8B-B14F-4D97-AF65-F5344CB8AC3E}">
-        <p14:creationId xmlns:p14="http://schemas.microsoft.com/office/powerpoint/2010/main" val="616320049"/>
-      </p:ext>
-    </p:extLst>
-  </p:cSld>
-  <p:clrMapOvr>
-    <a:masterClrMapping/>
-  </p:clrMapOvr>
-</p:sld>
-</file>
-
-<file path=ppt/slides/slide11.xml><?xml version="1.0" encoding="utf-8"?>
-<p:sld xmlns:a="http://schemas.openxmlformats.org/drawingml/2006/main" xmlns:r="http://schemas.openxmlformats.org/officeDocument/2006/relationships" xmlns:p="http://schemas.openxmlformats.org/presentationml/2006/main">
-  <p:cSld>
-    <p:spTree>
-      <p:nvGrpSpPr>
-        <p:cNvPr id="1" name=""/>
-        <p:cNvGrpSpPr/>
-        <p:nvPr/>
-      </p:nvGrpSpPr>
-      <p:grpSpPr>
-        <a:xfrm>
-          <a:off x="0" y="0"/>
-          <a:ext cx="0" cy="0"/>
-          <a:chOff x="0" y="0"/>
-          <a:chExt cx="0" cy="0"/>
-        </a:xfrm>
-      </p:grpSpPr>
-      <p:sp>
-        <p:nvSpPr>
-          <p:cNvPr id="2" name="Title 1">
-            <a:extLst>
-              <a:ext uri="{FF2B5EF4-FFF2-40B4-BE49-F238E27FC236}">
-                <a16:creationId xmlns:a16="http://schemas.microsoft.com/office/drawing/2014/main" id="{B4446258-3618-449C-997C-D3BD6CDC622C}"/>
-              </a:ext>
-            </a:extLst>
-          </p:cNvPr>
-          <p:cNvSpPr>
-            <a:spLocks noGrp="1"/>
-          </p:cNvSpPr>
-          <p:nvPr>
-            <p:ph type="title"/>
-          </p:nvPr>
-        </p:nvSpPr>
-        <p:spPr/>
-        <p:txBody>
-          <a:bodyPr/>
-          <a:lstStyle/>
-          <a:p>
-            <a:r>
-              <a:rPr lang="en-US">
-                <a:cs typeface="Calibri Light"/>
-              </a:rPr>
-              <a:t>Exploratory Analysis</a:t>
-            </a:r>
-            <a:endParaRPr lang="en-US" dirty="0">
-              <a:cs typeface="Calibri Light"/>
-            </a:endParaRPr>
-          </a:p>
-        </p:txBody>
-      </p:sp>
-      <p:sp>
-        <p:nvSpPr>
-          <p:cNvPr id="5" name="Content Placeholder 4">
-            <a:extLst>
-              <a:ext uri="{FF2B5EF4-FFF2-40B4-BE49-F238E27FC236}">
-                <a16:creationId xmlns:a16="http://schemas.microsoft.com/office/drawing/2014/main" id="{AF984AFF-6AC5-4AF8-A352-0AC694BAE706}"/>
-              </a:ext>
-            </a:extLst>
-          </p:cNvPr>
-          <p:cNvSpPr>
-            <a:spLocks noGrp="1"/>
-          </p:cNvSpPr>
-          <p:nvPr>
-            <p:ph idx="1"/>
-          </p:nvPr>
-        </p:nvSpPr>
-        <p:spPr/>
-        <p:txBody>
-          <a:bodyPr vert="horz" lIns="0" tIns="45720" rIns="0" bIns="45720" rtlCol="0" anchor="t">
-            <a:normAutofit/>
-          </a:bodyPr>
-          <a:lstStyle/>
-          <a:p>
-            <a:pPr>
-              <a:lnSpc>
-                <a:spcPct val="100000"/>
-              </a:lnSpc>
-            </a:pPr>
-            <a:endParaRPr lang="en-US" sz="1200" dirty="0">
-              <a:cs typeface="Calibri"/>
-            </a:endParaRPr>
-          </a:p>
-          <a:p>
-            <a:endParaRPr lang="en-US" dirty="0">
-              <a:cs typeface="Calibri"/>
-            </a:endParaRPr>
-          </a:p>
-        </p:txBody>
-      </p:sp>
-      <p:sp>
-        <p:nvSpPr>
-          <p:cNvPr id="8" name="TextBox 7">
-            <a:extLst>
-              <a:ext uri="{FF2B5EF4-FFF2-40B4-BE49-F238E27FC236}">
-                <a16:creationId xmlns:a16="http://schemas.microsoft.com/office/drawing/2014/main" id="{85A4FA5D-37DC-493D-A66E-D66C196D334E}"/>
-              </a:ext>
-            </a:extLst>
-          </p:cNvPr>
-          <p:cNvSpPr txBox="1"/>
-          <p:nvPr/>
-        </p:nvSpPr>
-        <p:spPr>
-          <a:xfrm>
-            <a:off x="9140630" y="5638111"/>
+            <a:off x="8909811" y="2603500"/>
             <a:ext cx="2743200" cy="400110"/>
           </a:xfrm>
           <a:prstGeom prst="rect">
@@ -13799,7 +13615,7 @@
 </p:sld>
 </file>
 
-<file path=ppt/slides/slide12.xml><?xml version="1.0" encoding="utf-8"?>
+<file path=ppt/slides/slide11.xml><?xml version="1.0" encoding="utf-8"?>
 <p:sld xmlns:a="http://schemas.openxmlformats.org/drawingml/2006/main" xmlns:r="http://schemas.openxmlformats.org/officeDocument/2006/relationships" xmlns:p="http://schemas.openxmlformats.org/presentationml/2006/main">
   <p:cSld>
     <p:spTree>
@@ -13902,7 +13718,7 @@
         </p:nvSpPr>
         <p:spPr>
           <a:xfrm>
-            <a:off x="9056820" y="5619690"/>
+            <a:off x="9225496" y="2530261"/>
             <a:ext cx="2743200" cy="400110"/>
           </a:xfrm>
           <a:prstGeom prst="rect">
@@ -13994,6 +13810,148 @@
 </p:sld>
 </file>
 
+<file path=ppt/slides/slide12.xml><?xml version="1.0" encoding="utf-8"?>
+<p:sld xmlns:a="http://schemas.openxmlformats.org/drawingml/2006/main" xmlns:r="http://schemas.openxmlformats.org/officeDocument/2006/relationships" xmlns:p="http://schemas.openxmlformats.org/presentationml/2006/main">
+  <p:cSld>
+    <p:spTree>
+      <p:nvGrpSpPr>
+        <p:cNvPr id="1" name=""/>
+        <p:cNvGrpSpPr/>
+        <p:nvPr/>
+      </p:nvGrpSpPr>
+      <p:grpSpPr>
+        <a:xfrm>
+          <a:off x="0" y="0"/>
+          <a:ext cx="0" cy="0"/>
+          <a:chOff x="0" y="0"/>
+          <a:chExt cx="0" cy="0"/>
+        </a:xfrm>
+      </p:grpSpPr>
+      <p:sp>
+        <p:nvSpPr>
+          <p:cNvPr id="2" name="Title 1">
+            <a:extLst>
+              <a:ext uri="{FF2B5EF4-FFF2-40B4-BE49-F238E27FC236}">
+                <a16:creationId xmlns:a16="http://schemas.microsoft.com/office/drawing/2014/main" id="{B320C75E-0D2E-48B7-8F3A-169D7F308FED}"/>
+              </a:ext>
+            </a:extLst>
+          </p:cNvPr>
+          <p:cNvSpPr>
+            <a:spLocks noGrp="1"/>
+          </p:cNvSpPr>
+          <p:nvPr>
+            <p:ph type="title"/>
+          </p:nvPr>
+        </p:nvSpPr>
+        <p:spPr/>
+        <p:txBody>
+          <a:bodyPr/>
+          <a:lstStyle/>
+          <a:p>
+            <a:r>
+              <a:rPr lang="en-US" dirty="0">
+                <a:cs typeface="Calibri Light"/>
+              </a:rPr>
+              <a:t>Exploratory Analysis</a:t>
+            </a:r>
+            <a:endParaRPr lang="en-US" dirty="0"/>
+          </a:p>
+        </p:txBody>
+      </p:sp>
+      <p:sp>
+        <p:nvSpPr>
+          <p:cNvPr id="3" name="Content Placeholder 2">
+            <a:extLst>
+              <a:ext uri="{FF2B5EF4-FFF2-40B4-BE49-F238E27FC236}">
+                <a16:creationId xmlns:a16="http://schemas.microsoft.com/office/drawing/2014/main" id="{96A6E893-191C-41DB-9164-707F7A25D418}"/>
+              </a:ext>
+            </a:extLst>
+          </p:cNvPr>
+          <p:cNvSpPr>
+            <a:spLocks noGrp="1"/>
+          </p:cNvSpPr>
+          <p:nvPr>
+            <p:ph idx="1"/>
+          </p:nvPr>
+        </p:nvSpPr>
+        <p:spPr>
+          <a:xfrm>
+            <a:off x="498007" y="2585745"/>
+            <a:ext cx="8825659" cy="3416300"/>
+          </a:xfrm>
+        </p:spPr>
+        <p:txBody>
+          <a:bodyPr vert="horz" lIns="0" tIns="45720" rIns="0" bIns="45720" rtlCol="0" anchor="t">
+            <a:normAutofit/>
+          </a:bodyPr>
+          <a:lstStyle/>
+          <a:p>
+            <a:r>
+              <a:rPr lang="en-US" sz="1400" dirty="0">
+                <a:solidFill>
+                  <a:srgbClr val="FF0000"/>
+                </a:solidFill>
+                <a:cs typeface="Calibri"/>
+              </a:rPr>
+              <a:t>Inference: Heavier/taller the person – Better at Defending?</a:t>
+            </a:r>
+          </a:p>
+          <a:p>
+            <a:endParaRPr lang="en-US" dirty="0">
+              <a:cs typeface="Calibri"/>
+            </a:endParaRPr>
+          </a:p>
+        </p:txBody>
+      </p:sp>
+      <p:pic>
+        <p:nvPicPr>
+          <p:cNvPr id="10" name="Picture 9">
+            <a:extLst>
+              <a:ext uri="{FF2B5EF4-FFF2-40B4-BE49-F238E27FC236}">
+                <a16:creationId xmlns:a16="http://schemas.microsoft.com/office/drawing/2014/main" id="{76F69AAA-CE75-4D85-8A72-ECCA0A1CA245}"/>
+              </a:ext>
+            </a:extLst>
+          </p:cNvPr>
+          <p:cNvPicPr>
+            <a:picLocks noChangeAspect="1"/>
+          </p:cNvPicPr>
+          <p:nvPr/>
+        </p:nvPicPr>
+        <p:blipFill>
+          <a:blip r:embed="rId2">
+            <a:extLst>
+              <a:ext uri="{28A0092B-C50C-407E-A947-70E740481C1C}">
+                <a14:useLocalDpi xmlns:a14="http://schemas.microsoft.com/office/drawing/2010/main" val="0"/>
+              </a:ext>
+            </a:extLst>
+          </a:blip>
+          <a:stretch>
+            <a:fillRect/>
+          </a:stretch>
+        </p:blipFill>
+        <p:spPr>
+          <a:xfrm>
+            <a:off x="0" y="2843158"/>
+            <a:ext cx="12192000" cy="4064000"/>
+          </a:xfrm>
+          <a:prstGeom prst="rect">
+            <a:avLst/>
+          </a:prstGeom>
+        </p:spPr>
+      </p:pic>
+    </p:spTree>
+    <p:extLst>
+      <p:ext uri="{BB962C8B-B14F-4D97-AF65-F5344CB8AC3E}">
+        <p14:creationId xmlns:p14="http://schemas.microsoft.com/office/powerpoint/2010/main" val="3686973522"/>
+      </p:ext>
+    </p:extLst>
+  </p:cSld>
+  <p:clrMapOvr>
+    <a:masterClrMapping/>
+  </p:clrMapOvr>
+</p:sld>
+</file>
+
 <file path=ppt/slides/slide13.xml><?xml version="1.0" encoding="utf-8"?>
 <p:sld xmlns:a="http://schemas.openxmlformats.org/drawingml/2006/main" xmlns:r="http://schemas.openxmlformats.org/officeDocument/2006/relationships" xmlns:p="http://schemas.openxmlformats.org/presentationml/2006/main">
   <p:cSld>
@@ -14036,7 +13994,7 @@
               <a:rPr lang="en-US" dirty="0">
                 <a:cs typeface="Calibri Light"/>
               </a:rPr>
-              <a:t>Comparisions Plots</a:t>
+              <a:t>Exploratory Analysis</a:t>
             </a:r>
             <a:endParaRPr lang="en-US" dirty="0"/>
           </a:p>
@@ -14058,7 +14016,12 @@
             <p:ph idx="1"/>
           </p:nvPr>
         </p:nvSpPr>
-        <p:spPr/>
+        <p:spPr>
+          <a:xfrm>
+            <a:off x="551273" y="2468032"/>
+            <a:ext cx="8825659" cy="3416300"/>
+          </a:xfrm>
+        </p:spPr>
         <p:txBody>
           <a:bodyPr vert="horz" lIns="0" tIns="45720" rIns="0" bIns="45720" rtlCol="0" anchor="t">
             <a:normAutofit/>
@@ -14066,28 +14029,23 @@
           <a:lstStyle/>
           <a:p>
             <a:r>
-              <a:rPr lang="en-US" sz="1600" dirty="0">
+              <a:rPr lang="en-US" sz="1400" dirty="0">
                 <a:solidFill>
                   <a:srgbClr val="FF0000"/>
                 </a:solidFill>
                 <a:cs typeface="Calibri"/>
               </a:rPr>
-              <a:t>Inference: Heavier/taller the person – Better at Defending?</a:t>
+              <a:t>Inference: Defending abilities proportional to height and weight </a:t>
             </a:r>
-          </a:p>
-          <a:p>
-            <a:endParaRPr lang="en-US" dirty="0">
-              <a:cs typeface="Calibri"/>
-            </a:endParaRPr>
           </a:p>
         </p:txBody>
       </p:sp>
       <p:pic>
         <p:nvPicPr>
-          <p:cNvPr id="4" name="Picture 4" descr="A close up of text on a white background&#10;&#10;Description generated with high confidence">
+          <p:cNvPr id="8" name="Picture 7">
             <a:extLst>
               <a:ext uri="{FF2B5EF4-FFF2-40B4-BE49-F238E27FC236}">
-                <a16:creationId xmlns:a16="http://schemas.microsoft.com/office/drawing/2014/main" id="{74DD2CE3-4577-4784-A953-F24E62F7CF0F}"/>
+                <a16:creationId xmlns:a16="http://schemas.microsoft.com/office/drawing/2014/main" id="{D2E59CB2-2313-4066-8B67-55EF6E52DC8B}"/>
               </a:ext>
             </a:extLst>
           </p:cNvPr>
@@ -14097,15 +14055,21 @@
           <p:nvPr/>
         </p:nvPicPr>
         <p:blipFill>
-          <a:blip r:embed="rId2"/>
+          <a:blip r:embed="rId2">
+            <a:extLst>
+              <a:ext uri="{28A0092B-C50C-407E-A947-70E740481C1C}">
+                <a14:useLocalDpi xmlns:a14="http://schemas.microsoft.com/office/drawing/2010/main" val="0"/>
+              </a:ext>
+            </a:extLst>
+          </a:blip>
           <a:stretch>
             <a:fillRect/>
           </a:stretch>
         </p:blipFill>
         <p:spPr>
           <a:xfrm>
-            <a:off x="1154954" y="2341199"/>
-            <a:ext cx="10193865" cy="4096656"/>
+            <a:off x="0" y="2959470"/>
+            <a:ext cx="12192000" cy="4064000"/>
           </a:xfrm>
           <a:prstGeom prst="rect">
             <a:avLst/>
@@ -14115,7 +14079,7 @@
     </p:spTree>
     <p:extLst>
       <p:ext uri="{BB962C8B-B14F-4D97-AF65-F5344CB8AC3E}">
-        <p14:creationId xmlns:p14="http://schemas.microsoft.com/office/powerpoint/2010/main" val="3686973522"/>
+        <p14:creationId xmlns:p14="http://schemas.microsoft.com/office/powerpoint/2010/main" val="251266264"/>
       </p:ext>
     </p:extLst>
   </p:cSld>
@@ -14167,7 +14131,7 @@
               <a:rPr lang="en-US" dirty="0">
                 <a:cs typeface="Calibri Light"/>
               </a:rPr>
-              <a:t>Comparisions Plots</a:t>
+              <a:t>Exploratory Analysis</a:t>
             </a:r>
             <a:endParaRPr lang="en-US" dirty="0"/>
           </a:p>
@@ -14189,7 +14153,12 @@
             <p:ph idx="1"/>
           </p:nvPr>
         </p:nvSpPr>
-        <p:spPr/>
+        <p:spPr>
+          <a:xfrm>
+            <a:off x="551273" y="2468032"/>
+            <a:ext cx="8825659" cy="3416300"/>
+          </a:xfrm>
+        </p:spPr>
         <p:txBody>
           <a:bodyPr vert="horz" lIns="0" tIns="45720" rIns="0" bIns="45720" rtlCol="0" anchor="t">
             <a:normAutofit/>
@@ -14203,17 +14172,17 @@
                 </a:solidFill>
                 <a:cs typeface="Calibri"/>
               </a:rPr>
-              <a:t>Inference: Movement drops rapidly</a:t>
+              <a:t>Inference: Goalkeeping independent of Physical Attributes</a:t>
             </a:r>
           </a:p>
         </p:txBody>
       </p:sp>
       <p:pic>
         <p:nvPicPr>
-          <p:cNvPr id="5" name="Picture 5" descr="A close up of text on a white background&#10;&#10;Description generated with high confidence">
+          <p:cNvPr id="5" name="Picture 4">
             <a:extLst>
               <a:ext uri="{FF2B5EF4-FFF2-40B4-BE49-F238E27FC236}">
-                <a16:creationId xmlns:a16="http://schemas.microsoft.com/office/drawing/2014/main" id="{A05A4B0C-E0DC-4728-B1AE-DC655CB8D422}"/>
+                <a16:creationId xmlns:a16="http://schemas.microsoft.com/office/drawing/2014/main" id="{7B929C61-FCBA-4EC2-AC25-2DDD6E52F2FA}"/>
               </a:ext>
             </a:extLst>
           </p:cNvPr>
@@ -14223,15 +14192,21 @@
           <p:nvPr/>
         </p:nvPicPr>
         <p:blipFill>
-          <a:blip r:embed="rId2"/>
+          <a:blip r:embed="rId2">
+            <a:extLst>
+              <a:ext uri="{28A0092B-C50C-407E-A947-70E740481C1C}">
+                <a14:useLocalDpi xmlns:a14="http://schemas.microsoft.com/office/drawing/2010/main" val="0"/>
+              </a:ext>
+            </a:extLst>
+          </a:blip>
           <a:stretch>
             <a:fillRect/>
           </a:stretch>
         </p:blipFill>
         <p:spPr>
           <a:xfrm>
-            <a:off x="553986" y="2263322"/>
-            <a:ext cx="10810723" cy="4096655"/>
+            <a:off x="0" y="2915082"/>
+            <a:ext cx="12192000" cy="4064000"/>
           </a:xfrm>
           <a:prstGeom prst="rect">
             <a:avLst/>
@@ -14241,7 +14216,7 @@
     </p:spTree>
     <p:extLst>
       <p:ext uri="{BB962C8B-B14F-4D97-AF65-F5344CB8AC3E}">
-        <p14:creationId xmlns:p14="http://schemas.microsoft.com/office/powerpoint/2010/main" val="3554655077"/>
+        <p14:creationId xmlns:p14="http://schemas.microsoft.com/office/powerpoint/2010/main" val="4271003878"/>
       </p:ext>
     </p:extLst>
   </p:cSld>
@@ -14293,7 +14268,7 @@
               <a:rPr lang="en-US" dirty="0">
                 <a:cs typeface="Calibri Light"/>
               </a:rPr>
-              <a:t>Comparisions Plots</a:t>
+              <a:t>Exploratory Analysis</a:t>
             </a:r>
             <a:endParaRPr lang="en-US" dirty="0"/>
           </a:p>
@@ -14329,17 +14304,17 @@
                 </a:solidFill>
                 <a:cs typeface="Calibri"/>
               </a:rPr>
-              <a:t>Inference: Attacking abilities relatively constant</a:t>
+              <a:t>Inference: Are Strikers paid more? Or ranking matters?</a:t>
             </a:r>
           </a:p>
         </p:txBody>
       </p:sp>
       <p:pic>
         <p:nvPicPr>
-          <p:cNvPr id="4" name="Picture 5" descr="A close up of text on a white background&#10;&#10;Description generated with very high confidence">
+          <p:cNvPr id="4" name="Picture 5" descr="A screenshot of a cell phone&#10;&#10;Description generated with very high confidence">
             <a:extLst>
               <a:ext uri="{FF2B5EF4-FFF2-40B4-BE49-F238E27FC236}">
-                <a16:creationId xmlns:a16="http://schemas.microsoft.com/office/drawing/2014/main" id="{474D0F89-AB9C-42C3-A3F9-AFB7B7F7F0BD}"/>
+                <a16:creationId xmlns:a16="http://schemas.microsoft.com/office/drawing/2014/main" id="{0CD2C4F4-8327-416A-91D4-51720530D558}"/>
               </a:ext>
             </a:extLst>
           </p:cNvPr>
@@ -14356,8 +14331,8 @@
         </p:blipFill>
         <p:spPr>
           <a:xfrm>
-            <a:off x="696686" y="2251528"/>
-            <a:ext cx="10641388" cy="3854751"/>
+            <a:off x="914841" y="2250962"/>
+            <a:ext cx="10348904" cy="3913723"/>
           </a:xfrm>
           <a:prstGeom prst="rect">
             <a:avLst/>
@@ -14367,7 +14342,7 @@
     </p:spTree>
     <p:extLst>
       <p:ext uri="{BB962C8B-B14F-4D97-AF65-F5344CB8AC3E}">
-        <p14:creationId xmlns:p14="http://schemas.microsoft.com/office/powerpoint/2010/main" val="251266264"/>
+        <p14:creationId xmlns:p14="http://schemas.microsoft.com/office/powerpoint/2010/main" val="2334673828"/>
       </p:ext>
     </p:extLst>
   </p:cSld>
@@ -14419,133 +14394,7 @@
               <a:rPr lang="en-US" dirty="0">
                 <a:cs typeface="Calibri Light"/>
               </a:rPr>
-              <a:t>Comparisions Plots</a:t>
-            </a:r>
-            <a:endParaRPr lang="en-US" dirty="0"/>
-          </a:p>
-        </p:txBody>
-      </p:sp>
-      <p:sp>
-        <p:nvSpPr>
-          <p:cNvPr id="3" name="Content Placeholder 2">
-            <a:extLst>
-              <a:ext uri="{FF2B5EF4-FFF2-40B4-BE49-F238E27FC236}">
-                <a16:creationId xmlns:a16="http://schemas.microsoft.com/office/drawing/2014/main" id="{96A6E893-191C-41DB-9164-707F7A25D418}"/>
-              </a:ext>
-            </a:extLst>
-          </p:cNvPr>
-          <p:cNvSpPr>
-            <a:spLocks noGrp="1"/>
-          </p:cNvSpPr>
-          <p:nvPr>
-            <p:ph idx="1"/>
-          </p:nvPr>
-        </p:nvSpPr>
-        <p:spPr/>
-        <p:txBody>
-          <a:bodyPr vert="horz" lIns="0" tIns="45720" rIns="0" bIns="45720" rtlCol="0" anchor="t">
-            <a:normAutofit/>
-          </a:bodyPr>
-          <a:lstStyle/>
-          <a:p>
-            <a:r>
-              <a:rPr lang="en-US" sz="1400" dirty="0">
-                <a:solidFill>
-                  <a:srgbClr val="FF0000"/>
-                </a:solidFill>
-                <a:cs typeface="Calibri"/>
-              </a:rPr>
-              <a:t>Inference: Are Strikers paid more? Or ranking matters?</a:t>
-            </a:r>
-          </a:p>
-        </p:txBody>
-      </p:sp>
-      <p:pic>
-        <p:nvPicPr>
-          <p:cNvPr id="4" name="Picture 5" descr="A screenshot of a cell phone&#10;&#10;Description generated with very high confidence">
-            <a:extLst>
-              <a:ext uri="{FF2B5EF4-FFF2-40B4-BE49-F238E27FC236}">
-                <a16:creationId xmlns:a16="http://schemas.microsoft.com/office/drawing/2014/main" id="{0CD2C4F4-8327-416A-91D4-51720530D558}"/>
-              </a:ext>
-            </a:extLst>
-          </p:cNvPr>
-          <p:cNvPicPr>
-            <a:picLocks noChangeAspect="1"/>
-          </p:cNvPicPr>
-          <p:nvPr/>
-        </p:nvPicPr>
-        <p:blipFill>
-          <a:blip r:embed="rId2"/>
-          <a:stretch>
-            <a:fillRect/>
-          </a:stretch>
-        </p:blipFill>
-        <p:spPr>
-          <a:xfrm>
-            <a:off x="914841" y="2250962"/>
-            <a:ext cx="10348904" cy="3913723"/>
-          </a:xfrm>
-          <a:prstGeom prst="rect">
-            <a:avLst/>
-          </a:prstGeom>
-        </p:spPr>
-      </p:pic>
-    </p:spTree>
-    <p:extLst>
-      <p:ext uri="{BB962C8B-B14F-4D97-AF65-F5344CB8AC3E}">
-        <p14:creationId xmlns:p14="http://schemas.microsoft.com/office/powerpoint/2010/main" val="2334673828"/>
-      </p:ext>
-    </p:extLst>
-  </p:cSld>
-  <p:clrMapOvr>
-    <a:masterClrMapping/>
-  </p:clrMapOvr>
-</p:sld>
-</file>
-
-<file path=ppt/slides/slide17.xml><?xml version="1.0" encoding="utf-8"?>
-<p:sld xmlns:a="http://schemas.openxmlformats.org/drawingml/2006/main" xmlns:r="http://schemas.openxmlformats.org/officeDocument/2006/relationships" xmlns:p="http://schemas.openxmlformats.org/presentationml/2006/main">
-  <p:cSld>
-    <p:spTree>
-      <p:nvGrpSpPr>
-        <p:cNvPr id="1" name=""/>
-        <p:cNvGrpSpPr/>
-        <p:nvPr/>
-      </p:nvGrpSpPr>
-      <p:grpSpPr>
-        <a:xfrm>
-          <a:off x="0" y="0"/>
-          <a:ext cx="0" cy="0"/>
-          <a:chOff x="0" y="0"/>
-          <a:chExt cx="0" cy="0"/>
-        </a:xfrm>
-      </p:grpSpPr>
-      <p:sp>
-        <p:nvSpPr>
-          <p:cNvPr id="2" name="Title 1">
-            <a:extLst>
-              <a:ext uri="{FF2B5EF4-FFF2-40B4-BE49-F238E27FC236}">
-                <a16:creationId xmlns:a16="http://schemas.microsoft.com/office/drawing/2014/main" id="{B320C75E-0D2E-48B7-8F3A-169D7F308FED}"/>
-              </a:ext>
-            </a:extLst>
-          </p:cNvPr>
-          <p:cNvSpPr>
-            <a:spLocks noGrp="1"/>
-          </p:cNvSpPr>
-          <p:nvPr>
-            <p:ph type="title"/>
-          </p:nvPr>
-        </p:nvSpPr>
-        <p:spPr/>
-        <p:txBody>
-          <a:bodyPr/>
-          <a:lstStyle/>
-          <a:p>
-            <a:r>
-              <a:rPr lang="en-US" dirty="0">
-                <a:cs typeface="Calibri Light"/>
-              </a:rPr>
-              <a:t>Comparisions Plots</a:t>
+              <a:t>Exploratory Analysis</a:t>
             </a:r>
             <a:endParaRPr lang="en-US" dirty="0"/>
           </a:p>
@@ -14595,7 +14444,7 @@
         </p:nvSpPr>
         <p:spPr>
           <a:xfrm>
-            <a:off x="1216781" y="1833638"/>
+            <a:off x="9157545" y="2472830"/>
             <a:ext cx="3311676" cy="307777"/>
           </a:xfrm>
           <a:prstGeom prst="rect">
@@ -14641,7 +14490,7 @@
 </p:sld>
 </file>
 
-<file path=ppt/slides/slide18.xml><?xml version="1.0" encoding="utf-8"?>
+<file path=ppt/slides/slide17.xml><?xml version="1.0" encoding="utf-8"?>
 <p:sld xmlns:a="http://schemas.openxmlformats.org/drawingml/2006/main" xmlns:r="http://schemas.openxmlformats.org/officeDocument/2006/relationships" xmlns:p="http://schemas.openxmlformats.org/presentationml/2006/main">
   <p:cSld>
     <p:spTree>
@@ -14717,23 +14566,74 @@
               <a:buChar char="•"/>
             </a:pPr>
             <a:r>
-              <a:rPr lang="en-US">
+              <a:rPr lang="en-US" dirty="0">
                 <a:cs typeface="Calibri" panose="020F0502020204030204"/>
               </a:rPr>
-              <a:t>Used Features from the data set to comeup with a classifier to predict the ratings and the classification and more importantly to have an idea about the feature importances in general.</a:t>
+              <a:t>Used regression models to predict the ratings based on the important features </a:t>
             </a:r>
           </a:p>
           <a:p>
             <a:pPr>
-              <a:buFont typeface="Arial" panose="020F0502020204030204" pitchFamily="34" charset="0"/>
+              <a:buFont typeface="Arial" panose="020B0604020202020204" pitchFamily="34" charset="0"/>
               <a:buChar char="•"/>
             </a:pPr>
-            <a:r>
-              <a:rPr lang="en-US">
-                <a:cs typeface="Calibri" panose="020F0502020204030204"/>
-              </a:rPr>
-              <a:t>Used regression models to predict the ratings based on the important adjusted features </a:t>
-            </a:r>
+            <a:endParaRPr lang="en-US" dirty="0">
+              <a:cs typeface="Calibri" panose="020F0502020204030204"/>
+            </a:endParaRPr>
+          </a:p>
+          <a:p>
+            <a:pPr>
+              <a:buFont typeface="Arial" panose="020B0604020202020204" pitchFamily="34" charset="0"/>
+              <a:buChar char="•"/>
+            </a:pPr>
+            <a:endParaRPr lang="en-US" dirty="0">
+              <a:cs typeface="Calibri" panose="020F0502020204030204"/>
+            </a:endParaRPr>
+          </a:p>
+          <a:p>
+            <a:pPr>
+              <a:buFont typeface="Arial" panose="020B0604020202020204" pitchFamily="34" charset="0"/>
+              <a:buChar char="•"/>
+            </a:pPr>
+            <a:endParaRPr lang="en-US" dirty="0">
+              <a:cs typeface="Calibri" panose="020F0502020204030204"/>
+            </a:endParaRPr>
+          </a:p>
+          <a:p>
+            <a:pPr>
+              <a:buFont typeface="Arial" panose="020B0604020202020204" pitchFamily="34" charset="0"/>
+              <a:buChar char="•"/>
+            </a:pPr>
+            <a:endParaRPr lang="en-US" dirty="0">
+              <a:cs typeface="Calibri" panose="020F0502020204030204"/>
+            </a:endParaRPr>
+          </a:p>
+          <a:p>
+            <a:pPr>
+              <a:buFont typeface="Arial" panose="020B0604020202020204" pitchFamily="34" charset="0"/>
+              <a:buChar char="•"/>
+            </a:pPr>
+            <a:endParaRPr lang="en-US" dirty="0">
+              <a:cs typeface="Calibri" panose="020F0502020204030204"/>
+            </a:endParaRPr>
+          </a:p>
+          <a:p>
+            <a:pPr>
+              <a:buFont typeface="Arial" panose="020B0604020202020204" pitchFamily="34" charset="0"/>
+              <a:buChar char="•"/>
+            </a:pPr>
+            <a:endParaRPr lang="en-US" dirty="0">
+              <a:cs typeface="Calibri" panose="020F0502020204030204"/>
+            </a:endParaRPr>
+          </a:p>
+          <a:p>
+            <a:pPr>
+              <a:buFont typeface="Arial" panose="020B0604020202020204" pitchFamily="34" charset="0"/>
+              <a:buChar char="•"/>
+            </a:pPr>
+            <a:endParaRPr lang="en-US" dirty="0">
+              <a:cs typeface="Calibri" panose="020F0502020204030204"/>
+            </a:endParaRPr>
           </a:p>
           <a:p>
             <a:pPr marL="0" indent="0">
@@ -14760,13 +14660,13 @@
           <p:nvPr>
             <p:extLst>
               <p:ext uri="{D42A27DB-BD31-4B8C-83A1-F6EECF244321}">
-                <p14:modId xmlns:p14="http://schemas.microsoft.com/office/powerpoint/2010/main" val="3773578493"/>
+                <p14:modId xmlns:p14="http://schemas.microsoft.com/office/powerpoint/2010/main" val="2919198553"/>
               </p:ext>
             </p:extLst>
           </p:nvPr>
         </p:nvGraphicFramePr>
         <p:xfrm>
-          <a:off x="1806060" y="3177709"/>
+          <a:off x="1451341" y="3491653"/>
           <a:ext cx="8168637" cy="2392679"/>
         </p:xfrm>
         <a:graphic>
@@ -14812,10 +14712,9 @@
                     <a:lstStyle/>
                     <a:p>
                       <a:r>
-                        <a:rPr lang="en-US"/>
+                        <a:rPr lang="en-US" dirty="0"/>
                         <a:t>Index</a:t>
                       </a:r>
-                      <a:endParaRPr lang="en-US" dirty="0"/>
                     </a:p>
                   </a:txBody>
                   <a:tcPr/>
@@ -14826,7 +14725,7 @@
                     <a:lstStyle/>
                     <a:p>
                       <a:r>
-                        <a:rPr lang="en-US"/>
+                        <a:rPr lang="en-US" dirty="0"/>
                         <a:t>Model</a:t>
                       </a:r>
                     </a:p>
@@ -14900,7 +14799,7 @@
                     <a:lstStyle/>
                     <a:p>
                       <a:r>
-                        <a:rPr lang="en-US"/>
+                        <a:rPr lang="en-US" dirty="0"/>
                         <a:t>21.39</a:t>
                       </a:r>
                     </a:p>
@@ -15054,10 +14953,9 @@
                         <a:buNone/>
                       </a:pPr>
                       <a:r>
-                        <a:rPr lang="en-US"/>
+                        <a:rPr lang="en-US" dirty="0"/>
                         <a:t>4. </a:t>
                       </a:r>
-                      <a:endParaRPr lang="en-US" dirty="0"/>
                     </a:p>
                   </a:txBody>
                   <a:tcPr/>
@@ -15071,10 +14969,9 @@
                         <a:buNone/>
                       </a:pPr>
                       <a:r>
-                        <a:rPr lang="en-US"/>
+                        <a:rPr lang="en-US" dirty="0"/>
                         <a:t>XGB Regressor</a:t>
                       </a:r>
-                      <a:endParaRPr lang="en-US" dirty="0"/>
                     </a:p>
                   </a:txBody>
                   <a:tcPr/>
@@ -15088,10 +14985,9 @@
                         <a:buNone/>
                       </a:pPr>
                       <a:r>
-                        <a:rPr lang="en-US"/>
+                        <a:rPr lang="en-US" dirty="0"/>
                         <a:t>1.21</a:t>
                       </a:r>
-                      <a:endParaRPr lang="en-US" dirty="0"/>
                     </a:p>
                   </a:txBody>
                   <a:tcPr/>
@@ -15105,10 +15001,9 @@
                         <a:buNone/>
                       </a:pPr>
                       <a:r>
-                        <a:rPr lang="en-US"/>
+                        <a:rPr lang="en-US" dirty="0"/>
                         <a:t>1.47</a:t>
                       </a:r>
-                      <a:endParaRPr lang="en-US" dirty="0"/>
                     </a:p>
                   </a:txBody>
                   <a:tcPr/>
@@ -15126,7 +15021,536 @@
     </p:spTree>
     <p:extLst>
       <p:ext uri="{BB962C8B-B14F-4D97-AF65-F5344CB8AC3E}">
+        <p14:creationId xmlns:p14="http://schemas.microsoft.com/office/powerpoint/2010/main" val="778734025"/>
+      </p:ext>
+    </p:extLst>
+  </p:cSld>
+  <p:clrMapOvr>
+    <a:masterClrMapping/>
+  </p:clrMapOvr>
+</p:sld>
+</file>
+
+<file path=ppt/slides/slide18.xml><?xml version="1.0" encoding="utf-8"?>
+<p:sld xmlns:a="http://schemas.openxmlformats.org/drawingml/2006/main" xmlns:r="http://schemas.openxmlformats.org/officeDocument/2006/relationships" xmlns:p="http://schemas.openxmlformats.org/presentationml/2006/main">
+  <p:cSld>
+    <p:spTree>
+      <p:nvGrpSpPr>
+        <p:cNvPr id="1" name=""/>
+        <p:cNvGrpSpPr/>
+        <p:nvPr/>
+      </p:nvGrpSpPr>
+      <p:grpSpPr>
+        <a:xfrm>
+          <a:off x="0" y="0"/>
+          <a:ext cx="0" cy="0"/>
+          <a:chOff x="0" y="0"/>
+          <a:chExt cx="0" cy="0"/>
+        </a:xfrm>
+      </p:grpSpPr>
+      <p:sp>
+        <p:nvSpPr>
+          <p:cNvPr id="2" name="Title 1">
+            <a:extLst>
+              <a:ext uri="{FF2B5EF4-FFF2-40B4-BE49-F238E27FC236}">
+                <a16:creationId xmlns:a16="http://schemas.microsoft.com/office/drawing/2014/main" id="{D47AF750-C5AF-4E33-99AB-158C059C1F7E}"/>
+              </a:ext>
+            </a:extLst>
+          </p:cNvPr>
+          <p:cNvSpPr>
+            <a:spLocks noGrp="1"/>
+          </p:cNvSpPr>
+          <p:nvPr>
+            <p:ph type="title"/>
+          </p:nvPr>
+        </p:nvSpPr>
+        <p:spPr/>
+        <p:txBody>
+          <a:bodyPr/>
+          <a:lstStyle/>
+          <a:p>
+            <a:r>
+              <a:rPr lang="en-US">
+                <a:cs typeface="Calibri Light"/>
+              </a:rPr>
+              <a:t>ML-Analysis</a:t>
+            </a:r>
+            <a:endParaRPr lang="en-US"/>
+          </a:p>
+        </p:txBody>
+      </p:sp>
+      <p:sp>
+        <p:nvSpPr>
+          <p:cNvPr id="3" name="Content Placeholder 2">
+            <a:extLst>
+              <a:ext uri="{FF2B5EF4-FFF2-40B4-BE49-F238E27FC236}">
+                <a16:creationId xmlns:a16="http://schemas.microsoft.com/office/drawing/2014/main" id="{362E1D5D-DD00-492F-8B5C-A25C9071FEC4}"/>
+              </a:ext>
+            </a:extLst>
+          </p:cNvPr>
+          <p:cNvSpPr>
+            <a:spLocks noGrp="1"/>
+          </p:cNvSpPr>
+          <p:nvPr>
+            <p:ph idx="1"/>
+          </p:nvPr>
+        </p:nvSpPr>
+        <p:spPr/>
+        <p:txBody>
+          <a:bodyPr vert="horz" lIns="0" tIns="45720" rIns="0" bIns="45720" rtlCol="0" anchor="t">
+            <a:normAutofit/>
+          </a:bodyPr>
+          <a:lstStyle/>
+          <a:p>
+            <a:pPr>
+              <a:buFont typeface="Arial" panose="020F0502020204030204" pitchFamily="34" charset="0"/>
+              <a:buChar char="•"/>
+            </a:pPr>
+            <a:r>
+              <a:rPr lang="en-US" dirty="0">
+                <a:cs typeface="Calibri" panose="020F0502020204030204"/>
+              </a:rPr>
+              <a:t>Prediction of Player category and corresponding ratings: </a:t>
+            </a:r>
+          </a:p>
+          <a:p>
+            <a:pPr>
+              <a:buFont typeface="Arial" panose="020B0604020202020204" pitchFamily="34" charset="0"/>
+              <a:buChar char="•"/>
+            </a:pPr>
+            <a:endParaRPr lang="en-US" dirty="0">
+              <a:cs typeface="Calibri" panose="020F0502020204030204"/>
+            </a:endParaRPr>
+          </a:p>
+          <a:p>
+            <a:pPr>
+              <a:buFont typeface="Arial" panose="020B0604020202020204" pitchFamily="34" charset="0"/>
+              <a:buChar char="•"/>
+            </a:pPr>
+            <a:endParaRPr lang="en-US" dirty="0">
+              <a:cs typeface="Calibri" panose="020F0502020204030204"/>
+            </a:endParaRPr>
+          </a:p>
+          <a:p>
+            <a:pPr>
+              <a:buFont typeface="Arial" panose="020B0604020202020204" pitchFamily="34" charset="0"/>
+              <a:buChar char="•"/>
+            </a:pPr>
+            <a:endParaRPr lang="en-US" dirty="0">
+              <a:cs typeface="Calibri" panose="020F0502020204030204"/>
+            </a:endParaRPr>
+          </a:p>
+          <a:p>
+            <a:pPr>
+              <a:buFont typeface="Arial" panose="020B0604020202020204" pitchFamily="34" charset="0"/>
+              <a:buChar char="•"/>
+            </a:pPr>
+            <a:endParaRPr lang="en-US" dirty="0">
+              <a:cs typeface="Calibri" panose="020F0502020204030204"/>
+            </a:endParaRPr>
+          </a:p>
+          <a:p>
+            <a:pPr>
+              <a:buFont typeface="Arial" panose="020B0604020202020204" pitchFamily="34" charset="0"/>
+              <a:buChar char="•"/>
+            </a:pPr>
+            <a:endParaRPr lang="en-US" dirty="0">
+              <a:cs typeface="Calibri" panose="020F0502020204030204"/>
+            </a:endParaRPr>
+          </a:p>
+          <a:p>
+            <a:pPr>
+              <a:buFont typeface="Arial" panose="020B0604020202020204" pitchFamily="34" charset="0"/>
+              <a:buChar char="•"/>
+            </a:pPr>
+            <a:endParaRPr lang="en-US" dirty="0">
+              <a:cs typeface="Calibri" panose="020F0502020204030204"/>
+            </a:endParaRPr>
+          </a:p>
+          <a:p>
+            <a:pPr>
+              <a:buFont typeface="Arial" panose="020B0604020202020204" pitchFamily="34" charset="0"/>
+              <a:buChar char="•"/>
+            </a:pPr>
+            <a:endParaRPr lang="en-US" dirty="0">
+              <a:cs typeface="Calibri" panose="020F0502020204030204"/>
+            </a:endParaRPr>
+          </a:p>
+          <a:p>
+            <a:pPr marL="0" indent="0">
+              <a:buNone/>
+            </a:pPr>
+            <a:endParaRPr lang="en-US" dirty="0">
+              <a:cs typeface="Calibri" panose="020F0502020204030204"/>
+            </a:endParaRPr>
+          </a:p>
+        </p:txBody>
+      </p:sp>
+      <p:graphicFrame>
+        <p:nvGraphicFramePr>
+          <p:cNvPr id="6" name="Table 5">
+            <a:extLst>
+              <a:ext uri="{FF2B5EF4-FFF2-40B4-BE49-F238E27FC236}">
+                <a16:creationId xmlns:a16="http://schemas.microsoft.com/office/drawing/2014/main" id="{AA5D8506-39CC-418B-971E-0B58AFB1A88F}"/>
+              </a:ext>
+            </a:extLst>
+          </p:cNvPr>
+          <p:cNvGraphicFramePr>
+            <a:graphicFrameLocks noGrp="1"/>
+          </p:cNvGraphicFramePr>
+          <p:nvPr>
+            <p:extLst>
+              <p:ext uri="{D42A27DB-BD31-4B8C-83A1-F6EECF244321}">
+                <p14:modId xmlns:p14="http://schemas.microsoft.com/office/powerpoint/2010/main" val="2980040394"/>
+              </p:ext>
+            </p:extLst>
+          </p:nvPr>
+        </p:nvGraphicFramePr>
+        <p:xfrm>
+          <a:off x="1397751" y="3098307"/>
+          <a:ext cx="8128000" cy="1381760"/>
+        </p:xfrm>
+        <a:graphic>
+          <a:graphicData uri="http://schemas.openxmlformats.org/drawingml/2006/table">
+            <a:tbl>
+              <a:tblPr firstRow="1" bandRow="1">
+                <a:tableStyleId>{5C22544A-7EE6-4342-B048-85BDC9FD1C3A}</a:tableStyleId>
+              </a:tblPr>
+              <a:tblGrid>
+                <a:gridCol w="2032000">
+                  <a:extLst>
+                    <a:ext uri="{9D8B030D-6E8A-4147-A177-3AD203B41FA5}">
+                      <a16:colId xmlns:a16="http://schemas.microsoft.com/office/drawing/2014/main" val="4288538550"/>
+                    </a:ext>
+                  </a:extLst>
+                </a:gridCol>
+                <a:gridCol w="2032000">
+                  <a:extLst>
+                    <a:ext uri="{9D8B030D-6E8A-4147-A177-3AD203B41FA5}">
+                      <a16:colId xmlns:a16="http://schemas.microsoft.com/office/drawing/2014/main" val="3244048626"/>
+                    </a:ext>
+                  </a:extLst>
+                </a:gridCol>
+                <a:gridCol w="2032000">
+                  <a:extLst>
+                    <a:ext uri="{9D8B030D-6E8A-4147-A177-3AD203B41FA5}">
+                      <a16:colId xmlns:a16="http://schemas.microsoft.com/office/drawing/2014/main" val="1407483920"/>
+                    </a:ext>
+                  </a:extLst>
+                </a:gridCol>
+                <a:gridCol w="2032000">
+                  <a:extLst>
+                    <a:ext uri="{9D8B030D-6E8A-4147-A177-3AD203B41FA5}">
+                      <a16:colId xmlns:a16="http://schemas.microsoft.com/office/drawing/2014/main" val="1902782210"/>
+                    </a:ext>
+                  </a:extLst>
+                </a:gridCol>
+              </a:tblGrid>
+              <a:tr h="374009">
+                <a:tc>
+                  <a:txBody>
+                    <a:bodyPr/>
+                    <a:lstStyle/>
+                    <a:p>
+                      <a:r>
+                        <a:rPr lang="en-US" dirty="0"/>
+                        <a:t>Player Ratings</a:t>
+                      </a:r>
+                    </a:p>
+                  </a:txBody>
+                  <a:tcPr/>
+                </a:tc>
+                <a:tc>
+                  <a:txBody>
+                    <a:bodyPr/>
+                    <a:lstStyle/>
+                    <a:p>
+                      <a:r>
+                        <a:rPr lang="en-US" dirty="0"/>
+                        <a:t>Predicted Category </a:t>
+                      </a:r>
+                    </a:p>
+                  </a:txBody>
+                  <a:tcPr/>
+                </a:tc>
+                <a:tc>
+                  <a:txBody>
+                    <a:bodyPr/>
+                    <a:lstStyle/>
+                    <a:p>
+                      <a:pPr marL="0" marR="0" lvl="0" indent="0" algn="l" defTabSz="457200" rtl="0" eaLnBrk="1" fontAlgn="auto" latinLnBrk="0" hangingPunct="1">
+                        <a:lnSpc>
+                          <a:spcPct val="100000"/>
+                        </a:lnSpc>
+                        <a:spcBef>
+                          <a:spcPts val="0"/>
+                        </a:spcBef>
+                        <a:spcAft>
+                          <a:spcPts val="0"/>
+                        </a:spcAft>
+                        <a:buClrTx/>
+                        <a:buSzTx/>
+                        <a:buFontTx/>
+                        <a:buNone/>
+                        <a:tabLst/>
+                        <a:defRPr/>
+                      </a:pPr>
+                      <a:r>
+                        <a:rPr lang="en-US" dirty="0"/>
+                        <a:t>Actual ratings</a:t>
+                      </a:r>
+                    </a:p>
+                    <a:p>
+                      <a:endParaRPr lang="en-US" dirty="0"/>
+                    </a:p>
+                  </a:txBody>
+                  <a:tcPr/>
+                </a:tc>
+                <a:tc>
+                  <a:txBody>
+                    <a:bodyPr/>
+                    <a:lstStyle/>
+                    <a:p>
+                      <a:r>
+                        <a:rPr lang="en-US" dirty="0"/>
+                        <a:t>Predicted ratings</a:t>
+                      </a:r>
+                    </a:p>
+                  </a:txBody>
+                  <a:tcPr/>
+                </a:tc>
+                <a:extLst>
+                  <a:ext uri="{0D108BD9-81ED-4DB2-BD59-A6C34878D82A}">
+                    <a16:rowId xmlns:a16="http://schemas.microsoft.com/office/drawing/2014/main" val="1439366907"/>
+                  </a:ext>
+                </a:extLst>
+              </a:tr>
+              <a:tr h="370840">
+                <a:tc>
+                  <a:txBody>
+                    <a:bodyPr/>
+                    <a:lstStyle/>
+                    <a:p>
+                      <a:r>
+                        <a:rPr lang="en-US" dirty="0"/>
+                        <a:t>Lionel Messi</a:t>
+                      </a:r>
+                    </a:p>
+                  </a:txBody>
+                  <a:tcPr/>
+                </a:tc>
+                <a:tc>
+                  <a:txBody>
+                    <a:bodyPr/>
+                    <a:lstStyle/>
+                    <a:p>
+                      <a:r>
+                        <a:rPr lang="en-US" dirty="0"/>
+                        <a:t>Striker</a:t>
+                      </a:r>
+                    </a:p>
+                  </a:txBody>
+                  <a:tcPr/>
+                </a:tc>
+                <a:tc>
+                  <a:txBody>
+                    <a:bodyPr/>
+                    <a:lstStyle/>
+                    <a:p>
+                      <a:r>
+                        <a:rPr lang="en-US" dirty="0"/>
+                        <a:t>94</a:t>
+                      </a:r>
+                    </a:p>
+                  </a:txBody>
+                  <a:tcPr/>
+                </a:tc>
+                <a:tc>
+                  <a:txBody>
+                    <a:bodyPr/>
+                    <a:lstStyle/>
+                    <a:p>
+                      <a:r>
+                        <a:rPr lang="en-US" dirty="0"/>
+                        <a:t>92</a:t>
+                      </a:r>
+                    </a:p>
+                  </a:txBody>
+                  <a:tcPr/>
+                </a:tc>
+                <a:extLst>
+                  <a:ext uri="{0D108BD9-81ED-4DB2-BD59-A6C34878D82A}">
+                    <a16:rowId xmlns:a16="http://schemas.microsoft.com/office/drawing/2014/main" val="806911924"/>
+                  </a:ext>
+                </a:extLst>
+              </a:tr>
+              <a:tr h="370840">
+                <a:tc>
+                  <a:txBody>
+                    <a:bodyPr/>
+                    <a:lstStyle/>
+                    <a:p>
+                      <a:r>
+                        <a:rPr lang="en-US" dirty="0"/>
+                        <a:t>Neymar Jr</a:t>
+                      </a:r>
+                    </a:p>
+                  </a:txBody>
+                  <a:tcPr/>
+                </a:tc>
+                <a:tc>
+                  <a:txBody>
+                    <a:bodyPr/>
+                    <a:lstStyle/>
+                    <a:p>
+                      <a:r>
+                        <a:rPr lang="en-US" dirty="0"/>
+                        <a:t>Midfielder</a:t>
+                      </a:r>
+                    </a:p>
+                  </a:txBody>
+                  <a:tcPr/>
+                </a:tc>
+                <a:tc>
+                  <a:txBody>
+                    <a:bodyPr/>
+                    <a:lstStyle/>
+                    <a:p>
+                      <a:r>
+                        <a:rPr lang="en-US" dirty="0"/>
+                        <a:t>92</a:t>
+                      </a:r>
+                    </a:p>
+                  </a:txBody>
+                  <a:tcPr/>
+                </a:tc>
+                <a:tc>
+                  <a:txBody>
+                    <a:bodyPr/>
+                    <a:lstStyle/>
+                    <a:p>
+                      <a:r>
+                        <a:rPr lang="en-US" dirty="0"/>
+                        <a:t>91</a:t>
+                      </a:r>
+                    </a:p>
+                  </a:txBody>
+                  <a:tcPr/>
+                </a:tc>
+                <a:extLst>
+                  <a:ext uri="{0D108BD9-81ED-4DB2-BD59-A6C34878D82A}">
+                    <a16:rowId xmlns:a16="http://schemas.microsoft.com/office/drawing/2014/main" val="1616226944"/>
+                  </a:ext>
+                </a:extLst>
+              </a:tr>
+            </a:tbl>
+          </a:graphicData>
+        </a:graphic>
+      </p:graphicFrame>
+    </p:spTree>
+    <p:extLst>
+      <p:ext uri="{BB962C8B-B14F-4D97-AF65-F5344CB8AC3E}">
         <p14:creationId xmlns:p14="http://schemas.microsoft.com/office/powerpoint/2010/main" val="4008641944"/>
+      </p:ext>
+    </p:extLst>
+  </p:cSld>
+  <p:clrMapOvr>
+    <a:masterClrMapping/>
+  </p:clrMapOvr>
+</p:sld>
+</file>
+
+<file path=ppt/slides/slide19.xml><?xml version="1.0" encoding="utf-8"?>
+<p:sld xmlns:a="http://schemas.openxmlformats.org/drawingml/2006/main" xmlns:r="http://schemas.openxmlformats.org/officeDocument/2006/relationships" xmlns:p="http://schemas.openxmlformats.org/presentationml/2006/main">
+  <p:cSld>
+    <p:spTree>
+      <p:nvGrpSpPr>
+        <p:cNvPr id="1" name=""/>
+        <p:cNvGrpSpPr/>
+        <p:nvPr/>
+      </p:nvGrpSpPr>
+      <p:grpSpPr>
+        <a:xfrm>
+          <a:off x="0" y="0"/>
+          <a:ext cx="0" cy="0"/>
+          <a:chOff x="0" y="0"/>
+          <a:chExt cx="0" cy="0"/>
+        </a:xfrm>
+      </p:grpSpPr>
+      <p:sp>
+        <p:nvSpPr>
+          <p:cNvPr id="2" name="Title 1">
+            <a:extLst>
+              <a:ext uri="{FF2B5EF4-FFF2-40B4-BE49-F238E27FC236}">
+                <a16:creationId xmlns:a16="http://schemas.microsoft.com/office/drawing/2014/main" id="{02E71327-4B80-4BC7-B673-8FDDB02B3CDE}"/>
+              </a:ext>
+            </a:extLst>
+          </p:cNvPr>
+          <p:cNvSpPr>
+            <a:spLocks noGrp="1"/>
+          </p:cNvSpPr>
+          <p:nvPr>
+            <p:ph type="title"/>
+          </p:nvPr>
+        </p:nvSpPr>
+        <p:spPr/>
+        <p:txBody>
+          <a:bodyPr/>
+          <a:lstStyle/>
+          <a:p>
+            <a:r>
+              <a:rPr lang="en-US" dirty="0"/>
+              <a:t>Conclusion</a:t>
+            </a:r>
+          </a:p>
+        </p:txBody>
+      </p:sp>
+      <p:sp>
+        <p:nvSpPr>
+          <p:cNvPr id="3" name="Content Placeholder 2">
+            <a:extLst>
+              <a:ext uri="{FF2B5EF4-FFF2-40B4-BE49-F238E27FC236}">
+                <a16:creationId xmlns:a16="http://schemas.microsoft.com/office/drawing/2014/main" id="{C3311CB2-E804-413A-B44E-32A672652099}"/>
+              </a:ext>
+            </a:extLst>
+          </p:cNvPr>
+          <p:cNvSpPr>
+            <a:spLocks noGrp="1"/>
+          </p:cNvSpPr>
+          <p:nvPr>
+            <p:ph idx="1"/>
+          </p:nvPr>
+        </p:nvSpPr>
+        <p:spPr/>
+        <p:txBody>
+          <a:bodyPr/>
+          <a:lstStyle/>
+          <a:p>
+            <a:pPr>
+              <a:buFont typeface="Arial" panose="020B0604020202020204" pitchFamily="34" charset="0"/>
+              <a:buChar char="•"/>
+            </a:pPr>
+            <a:r>
+              <a:rPr lang="en-US" dirty="0"/>
+              <a:t>Able to visualize the graphs to identify the key features for determining ratings</a:t>
+            </a:r>
+          </a:p>
+          <a:p>
+            <a:pPr>
+              <a:buFont typeface="Arial" panose="020B0604020202020204" pitchFamily="34" charset="0"/>
+              <a:buChar char="•"/>
+            </a:pPr>
+            <a:r>
+              <a:rPr lang="en-US" dirty="0"/>
+              <a:t>Generated a simple ML based model to predict ratings</a:t>
+            </a:r>
+          </a:p>
+        </p:txBody>
+      </p:sp>
+    </p:spTree>
+    <p:extLst>
+      <p:ext uri="{BB962C8B-B14F-4D97-AF65-F5344CB8AC3E}">
+        <p14:creationId xmlns:p14="http://schemas.microsoft.com/office/powerpoint/2010/main" val="2920187040"/>
       </p:ext>
     </p:extLst>
   </p:cSld>
@@ -15203,7 +15627,7 @@
         <p:spPr/>
         <p:txBody>
           <a:bodyPr vert="horz" lIns="0" tIns="45720" rIns="0" bIns="45720" rtlCol="0" anchor="t">
-            <a:normAutofit fontScale="92500" lnSpcReduction="10000"/>
+            <a:normAutofit/>
           </a:bodyPr>
           <a:lstStyle/>
           <a:p>
@@ -15218,7 +15642,7 @@
                 </a:solidFill>
                 <a:cs typeface="Calibri" panose="020F0502020204030204"/>
               </a:rPr>
-              <a:t>In general we find a lot of statistics defining a football player, but they present too much information and it's difficult to derive inferences from them</a:t>
+              <a:t>To simplify the complex representation of FIFA attributes and identify key features</a:t>
             </a:r>
           </a:p>
           <a:p>
@@ -15233,7 +15657,7 @@
                 </a:solidFill>
                 <a:cs typeface="Calibri" panose="020F0502020204030204"/>
               </a:rPr>
-              <a:t>We saw that several players have been rated on a constant scale of all parameters, but we know that certain parameters are only applicable to certain positions.</a:t>
+              <a:t>To derive simplistic and useful insights through visualization</a:t>
             </a:r>
           </a:p>
           <a:p>
@@ -15248,7 +15672,7 @@
                 </a:solidFill>
                 <a:cs typeface="Calibri" panose="020F0502020204030204"/>
               </a:rPr>
-              <a:t>Our analysis considers a player's physical attributes, skills and the position he plays at and tries to derive useful insights.</a:t>
+              <a:t>To simplify the rating system of players based on their key attributes</a:t>
             </a:r>
           </a:p>
           <a:p>
@@ -15263,58 +15687,23 @@
                 </a:solidFill>
                 <a:cs typeface="Calibri" panose="020F0502020204030204"/>
               </a:rPr>
-              <a:t>This analysis aims to tackle:</a:t>
+              <a:t>To build a model based on skills, attributes and position of the players</a:t>
             </a:r>
           </a:p>
           <a:p>
-            <a:pPr marL="383540" lvl="1">
-              <a:buFont typeface="Arial" panose="020F0502020204030204" pitchFamily="34" charset="0"/>
-              <a:buChar char="•"/>
+            <a:pPr marL="0" indent="0">
+              <a:buNone/>
             </a:pPr>
-            <a:r>
-              <a:rPr lang="en-US" dirty="0">
-                <a:solidFill>
-                  <a:schemeClr val="tx1"/>
-                </a:solidFill>
-                <a:cs typeface="Calibri" panose="020F0502020204030204"/>
-              </a:rPr>
-              <a:t>Graphical Analysis on player attributes</a:t>
-            </a:r>
-          </a:p>
-          <a:p>
-            <a:pPr marL="383540" lvl="1">
-              <a:buFont typeface="Arial" panose="020F0502020204030204" pitchFamily="34" charset="0"/>
-              <a:buChar char="•"/>
-            </a:pPr>
-            <a:r>
-              <a:rPr lang="en-US" dirty="0">
-                <a:solidFill>
-                  <a:schemeClr val="tx1"/>
-                </a:solidFill>
-                <a:cs typeface="Calibri" panose="020F0502020204030204"/>
-              </a:rPr>
-              <a:t>Gather useful inferences and attain some insights</a:t>
-            </a:r>
-          </a:p>
-          <a:p>
-            <a:pPr marL="383540" lvl="1">
-              <a:buFont typeface="Arial" panose="020F0502020204030204" pitchFamily="34" charset="0"/>
-              <a:buChar char="•"/>
-            </a:pPr>
-            <a:r>
-              <a:rPr lang="en-US" dirty="0">
-                <a:solidFill>
-                  <a:schemeClr val="tx1"/>
-                </a:solidFill>
-                <a:cs typeface="Calibri" panose="020F0502020204030204"/>
-              </a:rPr>
-              <a:t>Build a ML model based on those insights</a:t>
-            </a:r>
-          </a:p>
-          <a:p>
-            <a:pPr marL="383540" lvl="1">
-              <a:buFont typeface="Arial" panose="020F0502020204030204" pitchFamily="34" charset="0"/>
-              <a:buChar char="•"/>
+            <a:endParaRPr lang="en-US" dirty="0">
+              <a:solidFill>
+                <a:schemeClr val="tx1"/>
+              </a:solidFill>
+              <a:cs typeface="Calibri" panose="020F0502020204030204"/>
+            </a:endParaRPr>
+          </a:p>
+          <a:p>
+            <a:pPr marL="97790" lvl="1" indent="0">
+              <a:buNone/>
             </a:pPr>
             <a:endParaRPr lang="en-US" dirty="0">
               <a:solidFill>
@@ -15413,12 +15802,12 @@
           <a:lstStyle/>
           <a:p>
             <a:r>
-              <a:rPr lang="en-US">
+              <a:rPr lang="en-US" dirty="0">
                 <a:cs typeface="Calibri Light"/>
               </a:rPr>
-              <a:t>Methodology- Pre Processing</a:t>
+              <a:t>Pre Processing</a:t>
             </a:r>
-            <a:endParaRPr lang="en-US"/>
+            <a:endParaRPr lang="en-US" dirty="0"/>
           </a:p>
         </p:txBody>
       </p:sp>
@@ -15456,7 +15845,7 @@
                 </a:solidFill>
                 <a:cs typeface="Calibri"/>
               </a:rPr>
-              <a:t>Used SOFIFA website as the main source for data analysis</a:t>
+              <a:t>Data Source: SOFIFA</a:t>
             </a:r>
           </a:p>
           <a:p>
@@ -15471,7 +15860,7 @@
                 </a:solidFill>
                 <a:cs typeface="Calibri"/>
               </a:rPr>
-              <a:t>The data was scraped using Beautiful soup framework</a:t>
+              <a:t>Scrapping Tool: Beautiful Soap</a:t>
             </a:r>
           </a:p>
           <a:p>
@@ -15486,7 +15875,7 @@
                 </a:solidFill>
                 <a:cs typeface="Calibri"/>
               </a:rPr>
-              <a:t>Each of HTML tags are stored in soup's data structures.</a:t>
+              <a:t>Identified correct tags to extract features</a:t>
             </a:r>
           </a:p>
           <a:p>
@@ -15501,25 +15890,7 @@
                 </a:solidFill>
                 <a:cs typeface="Calibri"/>
               </a:rPr>
-              <a:t>Using those tags the required information was extracted, cleaned and stored in a pandas </a:t>
-            </a:r>
-            <a:r>
-              <a:rPr lang="en-US" dirty="0" err="1">
-                <a:solidFill>
-                  <a:schemeClr val="tx1"/>
-                </a:solidFill>
-                <a:cs typeface="Calibri"/>
-              </a:rPr>
-              <a:t>dataframe</a:t>
-            </a:r>
-            <a:r>
-              <a:rPr lang="en-US" dirty="0">
-                <a:solidFill>
-                  <a:schemeClr val="tx1"/>
-                </a:solidFill>
-                <a:cs typeface="Calibri"/>
-              </a:rPr>
-              <a:t>.</a:t>
+              <a:t>Data Cleaning</a:t>
             </a:r>
           </a:p>
           <a:p>
@@ -15534,7 +15905,7 @@
                 </a:solidFill>
                 <a:cs typeface="Calibri"/>
               </a:rPr>
-              <a:t>This pandas </a:t>
+              <a:t>Stored the processed data in Pandas </a:t>
             </a:r>
             <a:r>
               <a:rPr lang="en-US" dirty="0" err="1">
@@ -15543,23 +15914,8 @@
                 </a:solidFill>
                 <a:cs typeface="Calibri"/>
               </a:rPr>
-              <a:t>dataframe</a:t>
+              <a:t>Dataframe</a:t>
             </a:r>
-            <a:r>
-              <a:rPr lang="en-US" dirty="0">
-                <a:solidFill>
-                  <a:schemeClr val="tx1"/>
-                </a:solidFill>
-                <a:cs typeface="Calibri"/>
-              </a:rPr>
-              <a:t> is now the main source for all further analysis</a:t>
-            </a:r>
-          </a:p>
-          <a:p>
-            <a:pPr>
-              <a:buFont typeface="Arial" panose="020F0502020204030204" pitchFamily="34" charset="0"/>
-              <a:buChar char="•"/>
-            </a:pPr>
             <a:endParaRPr lang="en-US" dirty="0">
               <a:solidFill>
                 <a:schemeClr val="tx1"/>
@@ -15693,25 +16049,11 @@
                 </a:solidFill>
                 <a:cs typeface="Calibri" panose="020F0502020204030204"/>
               </a:rPr>
-              <a:t>Further classified each of them into </a:t>
+              <a:t> The Analysis has 2 parts:</a:t>
             </a:r>
           </a:p>
           <a:p>
-            <a:pPr marL="0" indent="0">
-              <a:buNone/>
-            </a:pPr>
-            <a:r>
-              <a:rPr lang="en-US" dirty="0">
-                <a:solidFill>
-                  <a:schemeClr val="tx1"/>
-                </a:solidFill>
-                <a:cs typeface="Calibri" panose="020F0502020204030204"/>
-              </a:rPr>
-              <a:t>      top 50, top 200, top 1000 respectively</a:t>
-            </a:r>
-          </a:p>
-          <a:p>
-            <a:pPr>
+            <a:pPr marL="783590" lvl="2">
               <a:buFont typeface="Arial" panose="020F0502020204030204" pitchFamily="34" charset="0"/>
               <a:buChar char="•"/>
             </a:pPr>
@@ -15722,41 +16064,11 @@
                 </a:solidFill>
                 <a:cs typeface="Calibri" panose="020F0502020204030204"/>
               </a:rPr>
-              <a:t> The Graphical Analysis has 3 parts:</a:t>
+              <a:t>Exploratory </a:t>
             </a:r>
           </a:p>
           <a:p>
-            <a:pPr marL="383540" lvl="1">
-              <a:buFont typeface="Arial" panose="020F0502020204030204" pitchFamily="34" charset="0"/>
-              <a:buChar char="•"/>
-            </a:pPr>
-            <a:r>
-              <a:rPr lang="en-US" dirty="0">
-                <a:solidFill>
-                  <a:schemeClr val="tx1"/>
-                </a:solidFill>
-                <a:cs typeface="Calibri" panose="020F0502020204030204"/>
-              </a:rPr>
-              <a:t>Exploratory (Radar Plots)</a:t>
-            </a:r>
-          </a:p>
-          <a:p>
-            <a:pPr marL="383540" lvl="1">
-              <a:buFont typeface="Arial" panose="020F0502020204030204" pitchFamily="34" charset="0"/>
-              <a:buChar char="•"/>
-            </a:pPr>
-            <a:r>
-              <a:rPr lang="en-US" dirty="0">
-                <a:solidFill>
-                  <a:schemeClr val="tx1"/>
-                </a:solidFill>
-                <a:cs typeface="Calibri" panose="020F0502020204030204"/>
-              </a:rPr>
-              <a:t>Comparison </a:t>
-            </a:r>
-          </a:p>
-          <a:p>
-            <a:pPr marL="383540" lvl="1">
+            <a:pPr marL="783590" lvl="2">
               <a:buFont typeface="Arial" panose="020F0502020204030204" pitchFamily="34" charset="0"/>
               <a:buChar char="•"/>
             </a:pPr>
@@ -15855,127 +16167,6 @@
           <p:cNvPr id="2" name="Title 1">
             <a:extLst>
               <a:ext uri="{FF2B5EF4-FFF2-40B4-BE49-F238E27FC236}">
-                <a16:creationId xmlns:a16="http://schemas.microsoft.com/office/drawing/2014/main" id="{BA9AC3D5-AC38-4277-BA82-F6367E29993F}"/>
-              </a:ext>
-            </a:extLst>
-          </p:cNvPr>
-          <p:cNvSpPr>
-            <a:spLocks noGrp="1"/>
-          </p:cNvSpPr>
-          <p:nvPr>
-            <p:ph type="title"/>
-          </p:nvPr>
-        </p:nvSpPr>
-        <p:spPr/>
-        <p:txBody>
-          <a:bodyPr/>
-          <a:lstStyle/>
-          <a:p>
-            <a:r>
-              <a:rPr lang="en-US" dirty="0">
-                <a:cs typeface="Calibri Light"/>
-              </a:rPr>
-              <a:t>Physical Attributes- Explored</a:t>
-            </a:r>
-            <a:endParaRPr lang="en-US" dirty="0"/>
-          </a:p>
-        </p:txBody>
-      </p:sp>
-      <p:pic>
-        <p:nvPicPr>
-          <p:cNvPr id="3" name="Picture 3" descr="A close up of a map&#10;&#10;Description generated with high confidence">
-            <a:extLst>
-              <a:ext uri="{FF2B5EF4-FFF2-40B4-BE49-F238E27FC236}">
-                <a16:creationId xmlns:a16="http://schemas.microsoft.com/office/drawing/2014/main" id="{682A7A9E-E267-4777-B8CC-E63201E8CB68}"/>
-              </a:ext>
-            </a:extLst>
-          </p:cNvPr>
-          <p:cNvPicPr>
-            <a:picLocks noChangeAspect="1"/>
-          </p:cNvPicPr>
-          <p:nvPr/>
-        </p:nvPicPr>
-        <p:blipFill>
-          <a:blip r:embed="rId2"/>
-          <a:stretch>
-            <a:fillRect/>
-          </a:stretch>
-        </p:blipFill>
-        <p:spPr>
-          <a:xfrm>
-            <a:off x="903764" y="2543503"/>
-            <a:ext cx="5422843" cy="3616036"/>
-          </a:xfrm>
-          <a:prstGeom prst="rect">
-            <a:avLst/>
-          </a:prstGeom>
-        </p:spPr>
-      </p:pic>
-      <p:pic>
-        <p:nvPicPr>
-          <p:cNvPr id="5" name="Picture 5" descr="A close up of text on a white background&#10;&#10;Description generated with high confidence">
-            <a:extLst>
-              <a:ext uri="{FF2B5EF4-FFF2-40B4-BE49-F238E27FC236}">
-                <a16:creationId xmlns:a16="http://schemas.microsoft.com/office/drawing/2014/main" id="{FAD71062-C290-4388-A04D-6E4F97332B3B}"/>
-              </a:ext>
-            </a:extLst>
-          </p:cNvPr>
-          <p:cNvPicPr>
-            <a:picLocks noChangeAspect="1"/>
-          </p:cNvPicPr>
-          <p:nvPr/>
-        </p:nvPicPr>
-        <p:blipFill>
-          <a:blip r:embed="rId3"/>
-          <a:stretch>
-            <a:fillRect/>
-          </a:stretch>
-        </p:blipFill>
-        <p:spPr>
-          <a:xfrm>
-            <a:off x="6245573" y="2543503"/>
-            <a:ext cx="5193584" cy="3615155"/>
-          </a:xfrm>
-          <a:prstGeom prst="rect">
-            <a:avLst/>
-          </a:prstGeom>
-        </p:spPr>
-      </p:pic>
-    </p:spTree>
-    <p:extLst>
-      <p:ext uri="{BB962C8B-B14F-4D97-AF65-F5344CB8AC3E}">
-        <p14:creationId xmlns:p14="http://schemas.microsoft.com/office/powerpoint/2010/main" val="1728411790"/>
-      </p:ext>
-    </p:extLst>
-  </p:cSld>
-  <p:clrMapOvr>
-    <a:masterClrMapping/>
-  </p:clrMapOvr>
-</p:sld>
-</file>
-
-<file path=ppt/slides/slide6.xml><?xml version="1.0" encoding="utf-8"?>
-<p:sld xmlns:a="http://schemas.openxmlformats.org/drawingml/2006/main" xmlns:r="http://schemas.openxmlformats.org/officeDocument/2006/relationships" xmlns:p="http://schemas.openxmlformats.org/presentationml/2006/main">
-  <p:cSld>
-    <p:spTree>
-      <p:nvGrpSpPr>
-        <p:cNvPr id="1" name=""/>
-        <p:cNvGrpSpPr/>
-        <p:nvPr/>
-      </p:nvGrpSpPr>
-      <p:grpSpPr>
-        <a:xfrm>
-          <a:off x="0" y="0"/>
-          <a:ext cx="0" cy="0"/>
-          <a:chOff x="0" y="0"/>
-          <a:chExt cx="0" cy="0"/>
-        </a:xfrm>
-      </p:grpSpPr>
-      <p:sp>
-        <p:nvSpPr>
-          <p:cNvPr id="2" name="Title 1">
-            <a:extLst>
-              <a:ext uri="{FF2B5EF4-FFF2-40B4-BE49-F238E27FC236}">
                 <a16:creationId xmlns:a16="http://schemas.microsoft.com/office/drawing/2014/main" id="{B4446258-3618-449C-997C-D3BD6CDC622C}"/>
               </a:ext>
             </a:extLst>
@@ -15998,14 +16189,11 @@
           <a:lstStyle/>
           <a:p>
             <a:r>
-              <a:rPr lang="en-US">
+              <a:rPr lang="en-US" dirty="0">
                 <a:cs typeface="Calibri Light"/>
               </a:rPr>
               <a:t>Exploratory Analysis</a:t>
             </a:r>
-            <a:endParaRPr lang="en-US" dirty="0">
-              <a:cs typeface="Calibri Light"/>
-            </a:endParaRPr>
           </a:p>
         </p:txBody>
       </p:sp>
@@ -16062,7 +16250,7 @@
         </p:nvSpPr>
         <p:spPr>
           <a:xfrm>
-            <a:off x="8889671" y="5619690"/>
+            <a:off x="8609013" y="2403445"/>
             <a:ext cx="2743200" cy="400110"/>
           </a:xfrm>
           <a:prstGeom prst="rect">
@@ -16138,7 +16326,7 @@
 </p:sld>
 </file>
 
-<file path=ppt/slides/slide7.xml><?xml version="1.0" encoding="utf-8"?>
+<file path=ppt/slides/slide6.xml><?xml version="1.0" encoding="utf-8"?>
 <p:sld xmlns:a="http://schemas.openxmlformats.org/drawingml/2006/main" xmlns:r="http://schemas.openxmlformats.org/officeDocument/2006/relationships" xmlns:p="http://schemas.openxmlformats.org/presentationml/2006/main">
   <p:cSld>
     <p:spTree>
@@ -16241,7 +16429,7 @@
         </p:nvSpPr>
         <p:spPr>
           <a:xfrm>
-            <a:off x="8874806" y="5619690"/>
+            <a:off x="8868812" y="2603500"/>
             <a:ext cx="2743200" cy="400110"/>
           </a:xfrm>
           <a:prstGeom prst="rect">
@@ -16263,7 +16451,7 @@
                   <a:srgbClr val="FF0000"/>
                 </a:solidFill>
               </a:rPr>
-              <a:t>Inference: Movement a key factor to be in TOP ranks</a:t>
+              <a:t>Inference: Movement a key factor to be in top ranks</a:t>
             </a:r>
             <a:endParaRPr lang="en-US" sz="1000" i="1" dirty="0">
               <a:solidFill>
@@ -16323,7 +16511,7 @@
 </p:sld>
 </file>
 
-<file path=ppt/slides/slide8.xml><?xml version="1.0" encoding="utf-8"?>
+<file path=ppt/slides/slide7.xml><?xml version="1.0" encoding="utf-8"?>
 <p:sld xmlns:a="http://schemas.openxmlformats.org/drawingml/2006/main" xmlns:r="http://schemas.openxmlformats.org/officeDocument/2006/relationships" xmlns:p="http://schemas.openxmlformats.org/presentationml/2006/main">
   <p:cSld>
     <p:spTree>
@@ -16426,7 +16614,7 @@
         </p:nvSpPr>
         <p:spPr>
           <a:xfrm>
-            <a:off x="9199365" y="5773579"/>
+            <a:off x="9121175" y="2603500"/>
             <a:ext cx="2743200" cy="246221"/>
           </a:xfrm>
           <a:prstGeom prst="rect">
@@ -16508,7 +16696,7 @@
 </p:sld>
 </file>
 
-<file path=ppt/slides/slide9.xml><?xml version="1.0" encoding="utf-8"?>
+<file path=ppt/slides/slide8.xml><?xml version="1.0" encoding="utf-8"?>
 <p:sld xmlns:a="http://schemas.openxmlformats.org/drawingml/2006/main" xmlns:r="http://schemas.openxmlformats.org/officeDocument/2006/relationships" xmlns:p="http://schemas.openxmlformats.org/presentationml/2006/main">
   <p:cSld>
     <p:spTree>
@@ -16611,7 +16799,7 @@
         </p:nvSpPr>
         <p:spPr>
           <a:xfrm>
-            <a:off x="9134392" y="5619690"/>
+            <a:off x="9139197" y="2403445"/>
             <a:ext cx="2743200" cy="400110"/>
           </a:xfrm>
           <a:prstGeom prst="rect">
@@ -16684,6 +16872,191 @@
     <p:extLst>
       <p:ext uri="{BB962C8B-B14F-4D97-AF65-F5344CB8AC3E}">
         <p14:creationId xmlns:p14="http://schemas.microsoft.com/office/powerpoint/2010/main" val="2380251639"/>
+      </p:ext>
+    </p:extLst>
+  </p:cSld>
+  <p:clrMapOvr>
+    <a:masterClrMapping/>
+  </p:clrMapOvr>
+</p:sld>
+</file>
+
+<file path=ppt/slides/slide9.xml><?xml version="1.0" encoding="utf-8"?>
+<p:sld xmlns:a="http://schemas.openxmlformats.org/drawingml/2006/main" xmlns:r="http://schemas.openxmlformats.org/officeDocument/2006/relationships" xmlns:p="http://schemas.openxmlformats.org/presentationml/2006/main">
+  <p:cSld>
+    <p:spTree>
+      <p:nvGrpSpPr>
+        <p:cNvPr id="1" name=""/>
+        <p:cNvGrpSpPr/>
+        <p:nvPr/>
+      </p:nvGrpSpPr>
+      <p:grpSpPr>
+        <a:xfrm>
+          <a:off x="0" y="0"/>
+          <a:ext cx="0" cy="0"/>
+          <a:chOff x="0" y="0"/>
+          <a:chExt cx="0" cy="0"/>
+        </a:xfrm>
+      </p:grpSpPr>
+      <p:sp>
+        <p:nvSpPr>
+          <p:cNvPr id="2" name="Title 1">
+            <a:extLst>
+              <a:ext uri="{FF2B5EF4-FFF2-40B4-BE49-F238E27FC236}">
+                <a16:creationId xmlns:a16="http://schemas.microsoft.com/office/drawing/2014/main" id="{B4446258-3618-449C-997C-D3BD6CDC622C}"/>
+              </a:ext>
+            </a:extLst>
+          </p:cNvPr>
+          <p:cNvSpPr>
+            <a:spLocks noGrp="1"/>
+          </p:cNvSpPr>
+          <p:nvPr>
+            <p:ph type="title"/>
+          </p:nvPr>
+        </p:nvSpPr>
+        <p:spPr/>
+        <p:txBody>
+          <a:bodyPr/>
+          <a:lstStyle/>
+          <a:p>
+            <a:r>
+              <a:rPr lang="en-US">
+                <a:cs typeface="Calibri Light"/>
+              </a:rPr>
+              <a:t>Exploratory Analysis</a:t>
+            </a:r>
+            <a:endParaRPr lang="en-US" dirty="0">
+              <a:cs typeface="Calibri Light"/>
+            </a:endParaRPr>
+          </a:p>
+        </p:txBody>
+      </p:sp>
+      <p:sp>
+        <p:nvSpPr>
+          <p:cNvPr id="5" name="Content Placeholder 4">
+            <a:extLst>
+              <a:ext uri="{FF2B5EF4-FFF2-40B4-BE49-F238E27FC236}">
+                <a16:creationId xmlns:a16="http://schemas.microsoft.com/office/drawing/2014/main" id="{AF984AFF-6AC5-4AF8-A352-0AC694BAE706}"/>
+              </a:ext>
+            </a:extLst>
+          </p:cNvPr>
+          <p:cNvSpPr>
+            <a:spLocks noGrp="1"/>
+          </p:cNvSpPr>
+          <p:nvPr>
+            <p:ph idx="1"/>
+          </p:nvPr>
+        </p:nvSpPr>
+        <p:spPr/>
+        <p:txBody>
+          <a:bodyPr vert="horz" lIns="0" tIns="45720" rIns="0" bIns="45720" rtlCol="0" anchor="t">
+            <a:normAutofit/>
+          </a:bodyPr>
+          <a:lstStyle/>
+          <a:p>
+            <a:pPr>
+              <a:lnSpc>
+                <a:spcPct val="100000"/>
+              </a:lnSpc>
+            </a:pPr>
+            <a:endParaRPr lang="en-US" sz="1200" dirty="0">
+              <a:cs typeface="Calibri"/>
+            </a:endParaRPr>
+          </a:p>
+          <a:p>
+            <a:endParaRPr lang="en-US" dirty="0">
+              <a:cs typeface="Calibri"/>
+            </a:endParaRPr>
+          </a:p>
+        </p:txBody>
+      </p:sp>
+      <p:sp>
+        <p:nvSpPr>
+          <p:cNvPr id="8" name="TextBox 7">
+            <a:extLst>
+              <a:ext uri="{FF2B5EF4-FFF2-40B4-BE49-F238E27FC236}">
+                <a16:creationId xmlns:a16="http://schemas.microsoft.com/office/drawing/2014/main" id="{85A4FA5D-37DC-493D-A66E-D66C196D334E}"/>
+              </a:ext>
+            </a:extLst>
+          </p:cNvPr>
+          <p:cNvSpPr txBox="1"/>
+          <p:nvPr/>
+        </p:nvSpPr>
+        <p:spPr>
+          <a:xfrm>
+            <a:off x="9163298" y="2403445"/>
+            <a:ext cx="2743200" cy="400110"/>
+          </a:xfrm>
+          <a:prstGeom prst="rect">
+            <a:avLst/>
+          </a:prstGeom>
+        </p:spPr>
+        <p:txBody>
+          <a:bodyPr rot="0" spcFirstLastPara="0" vertOverflow="overflow" horzOverflow="overflow" vert="horz" wrap="square" lIns="91440" tIns="45720" rIns="91440" bIns="45720" numCol="1" spcCol="0" rtlCol="0" fromWordArt="0" anchor="t" anchorCtr="0" forceAA="0" compatLnSpc="1">
+            <a:prstTxWarp prst="textNoShape">
+              <a:avLst/>
+            </a:prstTxWarp>
+            <a:spAutoFit/>
+          </a:bodyPr>
+          <a:lstStyle/>
+          <a:p>
+            <a:r>
+              <a:rPr lang="en-US" sz="1000" i="1" dirty="0">
+                <a:solidFill>
+                  <a:srgbClr val="FF0000"/>
+                </a:solidFill>
+              </a:rPr>
+              <a:t>Inference: Marking and Tackling make the difference, while Strength doesn’t</a:t>
+            </a:r>
+            <a:endParaRPr lang="en-US" sz="1000" i="1" dirty="0">
+              <a:solidFill>
+                <a:srgbClr val="FF0000"/>
+              </a:solidFill>
+              <a:cs typeface="Calibri"/>
+            </a:endParaRPr>
+          </a:p>
+        </p:txBody>
+      </p:sp>
+      <p:pic>
+        <p:nvPicPr>
+          <p:cNvPr id="6" name="Picture 5">
+            <a:extLst>
+              <a:ext uri="{FF2B5EF4-FFF2-40B4-BE49-F238E27FC236}">
+                <a16:creationId xmlns:a16="http://schemas.microsoft.com/office/drawing/2014/main" id="{DC0CD291-E6AB-4091-BB8E-3A7643B8CFEA}"/>
+              </a:ext>
+            </a:extLst>
+          </p:cNvPr>
+          <p:cNvPicPr>
+            <a:picLocks noChangeAspect="1"/>
+          </p:cNvPicPr>
+          <p:nvPr/>
+        </p:nvPicPr>
+        <p:blipFill>
+          <a:blip r:embed="rId2" cstate="print">
+            <a:extLst>
+              <a:ext uri="{28A0092B-C50C-407E-A947-70E740481C1C}">
+                <a14:useLocalDpi xmlns:a14="http://schemas.microsoft.com/office/drawing/2010/main" val="0"/>
+              </a:ext>
+            </a:extLst>
+          </a:blip>
+          <a:stretch>
+            <a:fillRect/>
+          </a:stretch>
+        </p:blipFill>
+        <p:spPr>
+          <a:xfrm>
+            <a:off x="3080839" y="2364936"/>
+            <a:ext cx="5033351" cy="4193247"/>
+          </a:xfrm>
+          <a:prstGeom prst="rect">
+            <a:avLst/>
+          </a:prstGeom>
+        </p:spPr>
+      </p:pic>
+    </p:spTree>
+    <p:extLst>
+      <p:ext uri="{BB962C8B-B14F-4D97-AF65-F5344CB8AC3E}">
+        <p14:creationId xmlns:p14="http://schemas.microsoft.com/office/powerpoint/2010/main" val="616320049"/>
       </p:ext>
     </p:extLst>
   </p:cSld>

--- a/ECE_143.pptx
+++ b/ECE_143.pptx
@@ -15544,7 +15544,7 @@
             </a:pPr>
             <a:r>
               <a:rPr lang="en-US" dirty="0"/>
-              <a:t>Able to visualize the graphs to identify the key features for determining ratings</a:t>
+              <a:t>Through visualization of the graphs, we were able to infer how the ratings of the various attributes change for the players and what attributes are important for a player category.</a:t>
             </a:r>
           </a:p>
           <a:p>
@@ -15554,7 +15554,7 @@
             </a:pPr>
             <a:r>
               <a:rPr lang="en-US" dirty="0"/>
-              <a:t>Generated a simple ML based model to predict ratings</a:t>
+              <a:t>Designing a ML based model, we were able to predict the player category and the player’s value, given the ratings of the attributes of the player.</a:t>
             </a:r>
           </a:p>
         </p:txBody>
